--- a/static/images/gen.pptx
+++ b/static/images/gen.pptx
@@ -6,7 +6,6 @@
   </p:sldMasterIdLst>
   <p:sldIdLst>
     <p:sldId id="256" r:id="rId2"/>
-    <p:sldId id="257" r:id="rId3"/>
   </p:sldIdLst>
   <p:sldSz cx="12192000" cy="6858000"/>
   <p:notesSz cx="6858000" cy="9144000"/>
@@ -3360,11 +3359,11 @@
               <a:rPr lang="en-US" sz="5400" b="1" cap="none" spc="0" dirty="0">
                 <a:ln w="0">
                   <a:solidFill>
-                    <a:srgbClr val="1BBF32"/>
+                    <a:srgbClr val="22A7CC"/>
                   </a:solidFill>
                 </a:ln>
                 <a:solidFill>
-                  <a:srgbClr val="1BBF32"/>
+                  <a:srgbClr val="22A7CC"/>
                 </a:solidFill>
                 <a:latin typeface="Gotham" panose="02000604040000020004" pitchFamily="2" charset="0"/>
                 <a:cs typeface="Aharoni" panose="02010803020104030203" pitchFamily="2" charset="-79"/>
@@ -3387,11 +3386,11 @@
               <a:rPr lang="en-US" sz="5400" b="1" cap="none" spc="0" dirty="0">
                 <a:ln w="0">
                   <a:solidFill>
-                    <a:srgbClr val="1BBF32"/>
+                    <a:srgbClr val="22A7CC"/>
                   </a:solidFill>
                 </a:ln>
                 <a:solidFill>
-                  <a:srgbClr val="1BBF32"/>
+                  <a:srgbClr val="22A7CC"/>
                 </a:solidFill>
                 <a:latin typeface="Gotham" panose="02000604040000020004" pitchFamily="2" charset="0"/>
                 <a:cs typeface="Aharoni" panose="02010803020104030203" pitchFamily="2" charset="-79"/>
@@ -3403,15 +3402,15 @@
       </p:sp>
       <p:pic>
         <p:nvPicPr>
-          <p:cNvPr id="5" name="Graphic 4">
-            <a:extLst>
-              <a:ext uri="{FF2B5EF4-FFF2-40B4-BE49-F238E27FC236}">
-                <a16:creationId xmlns:a16="http://schemas.microsoft.com/office/drawing/2014/main" id="{96469884-B086-4394-99E5-B07F1FC03A6C}"/>
+          <p:cNvPr id="1028" name="Picture 4" descr="Database Views &amp; Their Importance | Soaring Eagle Consulting">
+            <a:extLst>
+              <a:ext uri="{FF2B5EF4-FFF2-40B4-BE49-F238E27FC236}">
+                <a16:creationId xmlns:a16="http://schemas.microsoft.com/office/drawing/2014/main" id="{1B5FAECB-6135-4D0F-8A0E-90549FB1215C}"/>
               </a:ext>
             </a:extLst>
           </p:cNvPr>
           <p:cNvPicPr>
-            <a:picLocks noChangeAspect="1"/>
+            <a:picLocks noChangeAspect="1" noChangeArrowheads="1"/>
           </p:cNvPicPr>
           <p:nvPr/>
         </p:nvPicPr>
@@ -3421,89 +3420,37 @@
               <a:ext uri="{28A0092B-C50C-407E-A947-70E740481C1C}">
                 <a14:useLocalDpi xmlns:a14="http://schemas.microsoft.com/office/drawing/2010/main" val="0"/>
               </a:ext>
-              <a:ext uri="{96DAC541-7B7A-43D3-8B79-37D633B846F1}">
-                <asvg:svgBlip xmlns:asvg="http://schemas.microsoft.com/office/drawing/2016/SVG/main" r:embed="rId3"/>
-              </a:ext>
             </a:extLst>
           </a:blip>
+          <a:srcRect/>
           <a:stretch>
             <a:fillRect/>
           </a:stretch>
         </p:blipFill>
-        <p:spPr>
+        <p:spPr bwMode="auto">
           <a:xfrm>
-            <a:off x="3951849" y="2182683"/>
+            <a:off x="6096000" y="1524000"/>
             <a:ext cx="3810000" cy="3810000"/>
           </a:xfrm>
           <a:prstGeom prst="rect">
             <a:avLst/>
           </a:prstGeom>
+          <a:noFill/>
+          <a:extLst>
+            <a:ext uri="{909E8E84-426E-40DD-AFC4-6F175D3DCCD1}">
+              <a14:hiddenFill xmlns:a14="http://schemas.microsoft.com/office/drawing/2010/main">
+                <a:solidFill>
+                  <a:srgbClr val="FFFFFF"/>
+                </a:solidFill>
+              </a14:hiddenFill>
+            </a:ext>
+          </a:extLst>
         </p:spPr>
       </p:pic>
     </p:spTree>
     <p:extLst>
       <p:ext uri="{BB962C8B-B14F-4D97-AF65-F5344CB8AC3E}">
         <p14:creationId xmlns:p14="http://schemas.microsoft.com/office/powerpoint/2010/main" val="1145765686"/>
-      </p:ext>
-    </p:extLst>
-  </p:cSld>
-  <p:clrMapOvr>
-    <a:masterClrMapping/>
-  </p:clrMapOvr>
-</p:sld>
-</file>
-
-<file path=ppt/slides/slide2.xml><?xml version="1.0" encoding="utf-8"?>
-<p:sld xmlns:a="http://schemas.openxmlformats.org/drawingml/2006/main" xmlns:r="http://schemas.openxmlformats.org/officeDocument/2006/relationships" xmlns:p="http://schemas.openxmlformats.org/presentationml/2006/main">
-  <p:cSld>
-    <p:spTree>
-      <p:nvGrpSpPr>
-        <p:cNvPr id="1" name=""/>
-        <p:cNvGrpSpPr/>
-        <p:nvPr/>
-      </p:nvGrpSpPr>
-      <p:grpSpPr>
-        <a:xfrm>
-          <a:off x="0" y="0"/>
-          <a:ext cx="0" cy="0"/>
-          <a:chOff x="0" y="0"/>
-          <a:chExt cx="0" cy="0"/>
-        </a:xfrm>
-      </p:grpSpPr>
-      <p:pic>
-        <p:nvPicPr>
-          <p:cNvPr id="6" name="Picture 5">
-            <a:extLst>
-              <a:ext uri="{FF2B5EF4-FFF2-40B4-BE49-F238E27FC236}">
-                <a16:creationId xmlns:a16="http://schemas.microsoft.com/office/drawing/2014/main" id="{60550F41-0F07-4585-9A57-28A6BA7E25EC}"/>
-              </a:ext>
-            </a:extLst>
-          </p:cNvPr>
-          <p:cNvPicPr>
-            <a:picLocks noChangeAspect="1"/>
-          </p:cNvPicPr>
-          <p:nvPr/>
-        </p:nvPicPr>
-        <p:blipFill>
-          <a:blip r:embed="rId2"/>
-          <a:stretch>
-            <a:fillRect/>
-          </a:stretch>
-        </p:blipFill>
-        <p:spPr>
-          <a:xfrm>
-            <a:off x="256032" y="0"/>
-            <a:ext cx="11679936" cy="6858000"/>
-          </a:xfrm>
-          <a:prstGeom prst="rect">
-            <a:avLst/>
-          </a:prstGeom>
-        </p:spPr>
-      </p:pic>
-    </p:spTree>
-    <p:extLst>
-      <p:ext uri="{BB962C8B-B14F-4D97-AF65-F5344CB8AC3E}">
-        <p14:creationId xmlns:p14="http://schemas.microsoft.com/office/powerpoint/2010/main" val="2479484499"/>
       </p:ext>
     </p:extLst>
   </p:cSld>
